--- a/LSL/archive/AIM/LSL Docs/Lanka Sathosa - Oracle E Business Suit 12.2.7 Integrations to PBSA POS v1.3.pptx
+++ b/LSL/archive/AIM/LSL Docs/Lanka Sathosa - Oracle E Business Suit 12.2.7 Integrations to PBSA POS v1.3.pptx
@@ -235,7 +235,7 @@
             <a:fld id="{1E821AA6-70BE-4FDE-A8DC-DB381A688FD8}" type="datetimeFigureOut">
               <a:rPr lang="en-US"/>
               <a:pPr/>
-              <a:t>10/14/2018</a:t>
+              <a:t>4/16/2019</a:t>
             </a:fld>
             <a:endParaRPr dirty="0"/>
           </a:p>
@@ -1856,7 +1856,7 @@
             <a:fld id="{5B718EDA-03FA-48AB-920D-7933B9F49E21}" type="datetime1">
               <a:rPr lang="en-US" smtClean="0"/>
               <a:pPr/>
-              <a:t>10/14/2018</a:t>
+              <a:t>4/16/2019</a:t>
             </a:fld>
             <a:endParaRPr dirty="0"/>
           </a:p>
@@ -2492,7 +2492,7 @@
             <a:fld id="{BB9EC22A-55D2-4020-B7C5-EADD2A384059}" type="datetime1">
               <a:rPr lang="en-US" smtClean="0"/>
               <a:pPr/>
-              <a:t>10/14/2018</a:t>
+              <a:t>4/16/2019</a:t>
             </a:fld>
             <a:endParaRPr dirty="0"/>
           </a:p>
@@ -2877,7 +2877,7 @@
             <a:fld id="{A478242B-124C-463E-A0A4-FC9259A97C44}" type="datetime1">
               <a:rPr lang="en-US" smtClean="0"/>
               <a:pPr/>
-              <a:t>10/14/2018</a:t>
+              <a:t>4/16/2019</a:t>
             </a:fld>
             <a:endParaRPr dirty="0"/>
           </a:p>
@@ -3020,7 +3020,7 @@
             <a:fld id="{59CA900C-8353-43D6-B94D-598532F4915D}" type="datetime1">
               <a:rPr lang="en-US" smtClean="0"/>
               <a:pPr/>
-              <a:t>10/14/2018</a:t>
+              <a:t>4/16/2019</a:t>
             </a:fld>
             <a:endParaRPr lang="en-US" dirty="0"/>
           </a:p>
@@ -3363,7 +3363,7 @@
             <a:fld id="{4C7F30E4-792E-4FAB-A69A-AA0DDC9B505F}" type="datetime1">
               <a:rPr lang="en-US" smtClean="0"/>
               <a:pPr/>
-              <a:t>10/14/2018</a:t>
+              <a:t>4/16/2019</a:t>
             </a:fld>
             <a:endParaRPr dirty="0"/>
           </a:p>
@@ -3630,7 +3630,7 @@
             <a:fld id="{2E37C48D-E1E7-4537-9191-ADC6AC2F1815}" type="datetime1">
               <a:rPr lang="en-US" smtClean="0"/>
               <a:pPr/>
-              <a:t>10/14/2018</a:t>
+              <a:t>4/16/2019</a:t>
             </a:fld>
             <a:endParaRPr dirty="0"/>
           </a:p>
@@ -3985,7 +3985,7 @@
             <a:fld id="{91A79971-62D6-4992-97BF-5D246D3569EB}" type="datetime1">
               <a:rPr lang="en-US" smtClean="0"/>
               <a:pPr/>
-              <a:t>10/14/2018</a:t>
+              <a:t>4/16/2019</a:t>
             </a:fld>
             <a:endParaRPr dirty="0"/>
           </a:p>
@@ -4463,7 +4463,7 @@
             <a:fld id="{A2AFB543-FA83-460A-83FB-4118BFD0877B}" type="datetime1">
               <a:rPr lang="en-US" smtClean="0"/>
               <a:pPr/>
-              <a:t>10/14/2018</a:t>
+              <a:t>4/16/2019</a:t>
             </a:fld>
             <a:endParaRPr dirty="0"/>
           </a:p>
@@ -4757,7 +4757,7 @@
             <a:fld id="{B04E160C-F8F6-4C55-A458-43044F70E58C}" type="datetime1">
               <a:rPr lang="en-US" smtClean="0"/>
               <a:pPr/>
-              <a:t>10/14/2018</a:t>
+              <a:t>4/16/2019</a:t>
             </a:fld>
             <a:endParaRPr dirty="0"/>
           </a:p>
@@ -5617,7 +5617,7 @@
             <a:fld id="{76FE949D-BC59-45C7-997A-14E28EE435C6}" type="datetime1">
               <a:rPr lang="en-US" smtClean="0"/>
               <a:pPr/>
-              <a:t>10/14/2018</a:t>
+              <a:t>4/16/2019</a:t>
             </a:fld>
             <a:endParaRPr dirty="0"/>
           </a:p>
@@ -5876,7 +5876,7 @@
             <a:fld id="{AB7E71B6-75D8-4D35-9845-ED6EDFAB5B65}" type="datetime1">
               <a:rPr lang="en-US" smtClean="0"/>
               <a:pPr/>
-              <a:t>10/14/2018</a:t>
+              <a:t>4/16/2019</a:t>
             </a:fld>
             <a:endParaRPr dirty="0"/>
           </a:p>
@@ -6161,7 +6161,7 @@
             <a:fld id="{EC7B1103-610B-434D-B60D-A6000664E4C3}" type="datetime1">
               <a:rPr lang="en-US" smtClean="0"/>
               <a:pPr/>
-              <a:t>10/14/2018</a:t>
+              <a:t>4/16/2019</a:t>
             </a:fld>
             <a:endParaRPr dirty="0"/>
           </a:p>
@@ -6729,7 +6729,7 @@
             <a:fld id="{7FCCB0DF-E397-45DA-B3CD-4E39C3ABEEDE}" type="datetime1">
               <a:rPr lang="en-US" smtClean="0"/>
               <a:pPr/>
-              <a:t>10/14/2018</a:t>
+              <a:t>4/16/2019</a:t>
             </a:fld>
             <a:endParaRPr dirty="0"/>
           </a:p>
@@ -6876,7 +6876,7 @@
             <a:fld id="{F6C2332A-6035-4535-BAC4-FD72BBD35BD5}" type="datetime1">
               <a:rPr lang="en-US" smtClean="0"/>
               <a:pPr/>
-              <a:t>10/14/2018</a:t>
+              <a:t>4/16/2019</a:t>
             </a:fld>
             <a:endParaRPr dirty="0"/>
           </a:p>
@@ -7098,7 +7098,7 @@
             <a:fld id="{F0C5D9DE-6A12-48B4-8157-AA087FBA8015}" type="datetime1">
               <a:rPr lang="en-US" smtClean="0"/>
               <a:pPr/>
-              <a:t>10/14/2018</a:t>
+              <a:t>4/16/2019</a:t>
             </a:fld>
             <a:endParaRPr dirty="0"/>
           </a:p>
@@ -7218,7 +7218,7 @@
             <a:fld id="{451A3DE7-7836-4A48-A04A-66B40194FF41}" type="datetime1">
               <a:rPr lang="en-US" smtClean="0"/>
               <a:pPr/>
-              <a:t>10/14/2018</a:t>
+              <a:t>4/16/2019</a:t>
             </a:fld>
             <a:endParaRPr dirty="0"/>
           </a:p>
@@ -7517,7 +7517,7 @@
             <a:fld id="{3739EF9E-A7C6-4808-8AFB-AC6B52F83A3B}" type="datetime1">
               <a:rPr lang="en-US" smtClean="0"/>
               <a:pPr/>
-              <a:t>10/14/2018</a:t>
+              <a:t>4/16/2019</a:t>
             </a:fld>
             <a:endParaRPr dirty="0"/>
           </a:p>
@@ -7799,7 +7799,7 @@
             <a:fld id="{217F0131-B903-456D-8D69-D853BB286F3F}" type="datetime1">
               <a:rPr lang="en-US" smtClean="0"/>
               <a:pPr/>
-              <a:t>10/14/2018</a:t>
+              <a:t>4/16/2019</a:t>
             </a:fld>
             <a:endParaRPr dirty="0"/>
           </a:p>
@@ -8254,7 +8254,7 @@
             <a:fld id="{20375F48-3897-4458-A949-18AAEA8A929B}" type="datetime1">
               <a:rPr lang="en-US" smtClean="0"/>
               <a:pPr/>
-              <a:t>10/14/2018</a:t>
+              <a:t>4/16/2019</a:t>
             </a:fld>
             <a:endParaRPr dirty="0"/>
           </a:p>
@@ -8882,7 +8882,7 @@
             <a:fld id="{4D60BBB1-229F-44BC-9C8A-436B703181DD}" type="datetime1">
               <a:rPr lang="en-US" smtClean="0"/>
               <a:pPr/>
-              <a:t>10/14/2018</a:t>
+              <a:t>4/16/2019</a:t>
             </a:fld>
             <a:endParaRPr dirty="0"/>
           </a:p>
@@ -9130,7 +9130,7 @@
             <a:fld id="{7E2A05B1-59AC-45DE-AC8F-3468E7D0EDC5}" type="datetime1">
               <a:rPr lang="en-US" smtClean="0"/>
               <a:pPr/>
-              <a:t>10/14/2018</a:t>
+              <a:t>4/16/2019</a:t>
             </a:fld>
             <a:endParaRPr dirty="0"/>
           </a:p>
@@ -9596,7 +9596,7 @@
             <a:fld id="{FD3BE420-3884-4C99-8592-9DC1A7A21589}" type="datetime1">
               <a:rPr lang="en-US" smtClean="0"/>
               <a:pPr/>
-              <a:t>10/14/2018</a:t>
+              <a:t>4/16/2019</a:t>
             </a:fld>
             <a:endParaRPr dirty="0"/>
           </a:p>
@@ -10035,7 +10035,7 @@
             <a:fld id="{EB57CADF-F4C7-45EC-8675-1B1240AACE67}" type="datetime1">
               <a:rPr lang="en-US" smtClean="0"/>
               <a:pPr/>
-              <a:t>10/14/2018</a:t>
+              <a:t>4/16/2019</a:t>
             </a:fld>
             <a:endParaRPr dirty="0"/>
           </a:p>
@@ -10257,7 +10257,7 @@
             <a:fld id="{48F663F1-F097-4709-A50E-5EC80F99F9C1}" type="datetime1">
               <a:rPr lang="en-US" smtClean="0"/>
               <a:pPr/>
-              <a:t>10/14/2018</a:t>
+              <a:t>4/16/2019</a:t>
             </a:fld>
             <a:endParaRPr dirty="0"/>
           </a:p>
@@ -10621,7 +10621,7 @@
             <a:fld id="{2EB3EB7A-2423-492A-A0B8-6890746ED067}" type="datetime1">
               <a:rPr lang="en-US" smtClean="0"/>
               <a:pPr/>
-              <a:t>10/14/2018</a:t>
+              <a:t>4/16/2019</a:t>
             </a:fld>
             <a:endParaRPr dirty="0"/>
           </a:p>
@@ -11350,7 +11350,7 @@
             <a:fld id="{A28CC2B3-15E3-410C-BB77-725CEC6A5D75}" type="datetime1">
               <a:rPr lang="en-US" smtClean="0"/>
               <a:pPr/>
-              <a:t>10/14/2018</a:t>
+              <a:t>4/16/2019</a:t>
             </a:fld>
             <a:endParaRPr dirty="0"/>
           </a:p>
@@ -11657,7 +11657,7 @@
             <a:fld id="{3336C99F-F8B6-42FB-858B-E7EDEE8AB826}" type="datetime1">
               <a:rPr lang="en-US" smtClean="0"/>
               <a:pPr/>
-              <a:t>10/14/2018</a:t>
+              <a:t>4/16/2019</a:t>
             </a:fld>
             <a:endParaRPr dirty="0"/>
           </a:p>
@@ -11864,7 +11864,7 @@
             <a:fld id="{466AED94-84AC-401A-B6E9-114160A7903A}" type="datetime1">
               <a:rPr lang="en-US" smtClean="0"/>
               <a:pPr/>
-              <a:t>10/14/2018</a:t>
+              <a:t>4/16/2019</a:t>
             </a:fld>
             <a:endParaRPr dirty="0"/>
           </a:p>
@@ -11988,7 +11988,7 @@
             <a:fld id="{74126811-2134-4838-96E1-190C5CCB35F0}" type="datetime1">
               <a:rPr lang="en-US" smtClean="0"/>
               <a:pPr/>
-              <a:t>10/14/2018</a:t>
+              <a:t>4/16/2019</a:t>
             </a:fld>
             <a:endParaRPr dirty="0"/>
           </a:p>
@@ -12537,7 +12537,7 @@
             <a:fld id="{15EFF38B-8A2B-4EA0-A1FD-820A0B9A9A5E}" type="datetime1">
               <a:rPr lang="en-US" smtClean="0"/>
               <a:pPr/>
-              <a:t>10/14/2018</a:t>
+              <a:t>4/16/2019</a:t>
             </a:fld>
             <a:endParaRPr lang="en-US" dirty="0"/>
           </a:p>
@@ -12750,7 +12750,7 @@
             <a:fld id="{2F659D8A-3C0B-4AD2-A865-94E1683E2A51}" type="datetime1">
               <a:rPr lang="en-US" smtClean="0"/>
               <a:pPr/>
-              <a:t>10/14/2018</a:t>
+              <a:t>4/16/2019</a:t>
             </a:fld>
             <a:endParaRPr dirty="0"/>
           </a:p>
@@ -13173,7 +13173,7 @@
             <a:fld id="{AFE3C2E1-55D1-4925-B170-F45F4D1313F2}" type="datetime1">
               <a:rPr lang="en-US" smtClean="0"/>
               <a:pPr/>
-              <a:t>10/14/2018</a:t>
+              <a:t>4/16/2019</a:t>
             </a:fld>
             <a:endParaRPr dirty="0"/>
           </a:p>
@@ -13804,7 +13804,7 @@
             <a:fld id="{9C5D32D0-D208-4DC6-B7EA-FBFBAE2CFADD}" type="datetime1">
               <a:rPr lang="en-US" smtClean="0"/>
               <a:pPr/>
-              <a:t>10/14/2018</a:t>
+              <a:t>4/16/2019</a:t>
             </a:fld>
             <a:endParaRPr dirty="0"/>
           </a:p>
@@ -14268,7 +14268,7 @@
             <a:fld id="{D6BF2800-930D-4F78-8132-87DC967E0A01}" type="datetime1">
               <a:rPr lang="en-US" smtClean="0"/>
               <a:pPr/>
-              <a:t>10/14/2018</a:t>
+              <a:t>4/16/2019</a:t>
             </a:fld>
             <a:endParaRPr dirty="0"/>
           </a:p>
@@ -14547,7 +14547,7 @@
             <a:fld id="{F0811F5D-163C-429D-9AB1-46A6E97896BF}" type="datetime1">
               <a:rPr lang="en-US" smtClean="0"/>
               <a:pPr/>
-              <a:t>10/14/2018</a:t>
+              <a:t>4/16/2019</a:t>
             </a:fld>
             <a:endParaRPr dirty="0"/>
           </a:p>
@@ -14817,7 +14817,7 @@
             <a:fld id="{A579B943-AFA1-40BD-AC9F-6D2BBCFED74C}" type="datetime1">
               <a:rPr lang="en-US" smtClean="0"/>
               <a:pPr/>
-              <a:t>10/14/2018</a:t>
+              <a:t>4/16/2019</a:t>
             </a:fld>
             <a:endParaRPr dirty="0"/>
           </a:p>
@@ -15098,7 +15098,7 @@
             <a:fld id="{D6AE09CC-35FF-4FAE-84BA-51028FA8C71A}" type="datetime1">
               <a:rPr lang="en-US" smtClean="0"/>
               <a:pPr/>
-              <a:t>10/14/2018</a:t>
+              <a:t>4/16/2019</a:t>
             </a:fld>
             <a:endParaRPr dirty="0"/>
           </a:p>
@@ -15562,7 +15562,7 @@
             <a:fld id="{FCC121D4-B3C9-471B-8703-25FD84D839ED}" type="datetime1">
               <a:rPr lang="en-US" smtClean="0"/>
               <a:pPr/>
-              <a:t>10/14/2018</a:t>
+              <a:t>4/16/2019</a:t>
             </a:fld>
             <a:endParaRPr dirty="0"/>
           </a:p>
@@ -19995,7 +19995,7 @@
         </p:nvSpPr>
         <p:spPr>
           <a:xfrm>
-            <a:off x="8008363" y="3733800"/>
+            <a:off x="8008363" y="3429000"/>
             <a:ext cx="2185101" cy="369108"/>
           </a:xfrm>
           <a:prstGeom prst="rect">
@@ -20043,8 +20043,8 @@
         </p:nvSpPr>
         <p:spPr>
           <a:xfrm>
-            <a:off x="8009633" y="4193130"/>
-            <a:ext cx="2183831" cy="369332"/>
+            <a:off x="7542213" y="4507468"/>
+            <a:ext cx="3118672" cy="369332"/>
           </a:xfrm>
           <a:prstGeom prst="rect">
             <a:avLst/>
@@ -20072,7 +20072,7 @@
                 </a:solidFill>
                 <a:latin typeface="Century Gothic" panose="020B0502020202020204" pitchFamily="34" charset="0"/>
               </a:rPr>
-              <a:t>GRN</a:t>
+              <a:t>Supplier Return</a:t>
             </a:r>
             <a:endParaRPr lang="en-US" sz="2400" dirty="0">
               <a:solidFill>
@@ -20091,7 +20091,7 @@
         </p:nvSpPr>
         <p:spPr>
           <a:xfrm rot="10800000">
-            <a:off x="4285713" y="3588450"/>
+            <a:off x="4314591" y="3348254"/>
             <a:ext cx="2953496" cy="483108"/>
           </a:xfrm>
           <a:custGeom>
@@ -20150,7 +20150,7 @@
         </p:nvSpPr>
         <p:spPr>
           <a:xfrm>
-            <a:off x="4983015" y="3710795"/>
+            <a:off x="5011893" y="3457136"/>
             <a:ext cx="1681042" cy="230832"/>
           </a:xfrm>
           <a:prstGeom prst="rect">
@@ -20319,7 +20319,7 @@
         </p:nvSpPr>
         <p:spPr>
           <a:xfrm>
-            <a:off x="1203497" y="4093499"/>
+            <a:off x="1205744" y="4484037"/>
             <a:ext cx="2719044" cy="468963"/>
           </a:xfrm>
           <a:custGeom>
@@ -20521,7 +20521,7 @@
         </p:nvSpPr>
         <p:spPr>
           <a:xfrm>
-            <a:off x="7733226" y="3290398"/>
+            <a:off x="7733226" y="2971800"/>
             <a:ext cx="2736646" cy="369332"/>
           </a:xfrm>
           <a:prstGeom prst="rect">
@@ -20650,6 +20650,114 @@
           </a:p>
         </p:txBody>
       </p:sp>
+      <p:sp>
+        <p:nvSpPr>
+          <p:cNvPr id="18" name="object 38"/>
+          <p:cNvSpPr/>
+          <p:nvPr/>
+        </p:nvSpPr>
+        <p:spPr>
+          <a:xfrm rot="10800000" flipH="1">
+            <a:off x="4396811" y="4469892"/>
+            <a:ext cx="2875051" cy="483108"/>
+          </a:xfrm>
+          <a:custGeom>
+            <a:avLst/>
+            <a:gdLst/>
+            <a:ahLst/>
+            <a:cxnLst/>
+            <a:rect l="l" t="t" r="r" b="b"/>
+            <a:pathLst>
+              <a:path w="3195954" h="483235">
+                <a:moveTo>
+                  <a:pt x="2954274" y="0"/>
+                </a:moveTo>
+                <a:lnTo>
+                  <a:pt x="2954274" y="120776"/>
+                </a:lnTo>
+                <a:lnTo>
+                  <a:pt x="0" y="120776"/>
+                </a:lnTo>
+                <a:lnTo>
+                  <a:pt x="0" y="362331"/>
+                </a:lnTo>
+                <a:lnTo>
+                  <a:pt x="2954274" y="362331"/>
+                </a:lnTo>
+                <a:lnTo>
+                  <a:pt x="2954274" y="483107"/>
+                </a:lnTo>
+                <a:lnTo>
+                  <a:pt x="3195828" y="241553"/>
+                </a:lnTo>
+                <a:lnTo>
+                  <a:pt x="2954274" y="0"/>
+                </a:lnTo>
+                <a:close/>
+              </a:path>
+            </a:pathLst>
+          </a:custGeom>
+          <a:solidFill>
+            <a:srgbClr val="6C8B1A"/>
+          </a:solidFill>
+        </p:spPr>
+        <p:txBody>
+          <a:bodyPr wrap="square" lIns="0" tIns="0" rIns="0" bIns="0" rtlCol="0"/>
+          <a:lstStyle/>
+          <a:p>
+            <a:endParaRPr sz="1799"/>
+          </a:p>
+        </p:txBody>
+      </p:sp>
+      <p:sp>
+        <p:nvSpPr>
+          <p:cNvPr id="20" name="object 40"/>
+          <p:cNvSpPr txBox="1"/>
+          <p:nvPr/>
+        </p:nvSpPr>
+        <p:spPr>
+          <a:xfrm>
+            <a:off x="5011893" y="4586180"/>
+            <a:ext cx="1681042" cy="230832"/>
+          </a:xfrm>
+          <a:prstGeom prst="rect">
+            <a:avLst/>
+          </a:prstGeom>
+        </p:spPr>
+        <p:txBody>
+          <a:bodyPr vert="horz" wrap="square" lIns="0" tIns="0" rIns="0" bIns="0" rtlCol="0">
+            <a:spAutoFit/>
+          </a:bodyPr>
+          <a:lstStyle/>
+          <a:p>
+            <a:pPr marL="12696" algn="ctr"/>
+            <a:r>
+              <a:rPr lang="en-US" sz="1500" b="1" dirty="0" smtClean="0">
+                <a:solidFill>
+                  <a:srgbClr val="FFFFFF"/>
+                </a:solidFill>
+                <a:latin typeface="Century Gothic"/>
+                <a:cs typeface="Century Gothic"/>
+              </a:rPr>
+              <a:t>In </a:t>
+            </a:r>
+            <a:r>
+              <a:rPr lang="en-US" sz="1500" b="1" dirty="0" smtClean="0">
+                <a:solidFill>
+                  <a:srgbClr val="FFFFFF"/>
+                </a:solidFill>
+                <a:latin typeface="Century Gothic"/>
+                <a:cs typeface="Century Gothic"/>
+              </a:rPr>
+              <a:t>bound</a:t>
+            </a:r>
+            <a:endParaRPr sz="1500" dirty="0">
+              <a:latin typeface="Century Gothic"/>
+              <a:cs typeface="Century Gothic"/>
+            </a:endParaRPr>
+          </a:p>
+        </p:txBody>
+      </p:sp>
     </p:spTree>
     <p:extLst>
       <p:ext uri="{BB962C8B-B14F-4D97-AF65-F5344CB8AC3E}">
@@ -22135,7 +22243,7 @@
                 </a:solidFill>
                 <a:latin typeface="Century Gothic" panose="020B0502020202020204" pitchFamily="34" charset="0"/>
               </a:rPr>
-              <a:t>Sales</a:t>
+              <a:t>Sales/Return</a:t>
             </a:r>
             <a:endParaRPr sz="2400" dirty="0">
               <a:solidFill>
@@ -22291,7 +22399,7 @@
         </p:nvSpPr>
         <p:spPr>
           <a:xfrm>
-            <a:off x="4857183" y="3761096"/>
+            <a:off x="4857183" y="3657600"/>
             <a:ext cx="3028922" cy="519930"/>
           </a:xfrm>
           <a:custGeom>
@@ -22411,7 +22519,7 @@
         </p:nvSpPr>
         <p:spPr>
           <a:xfrm>
-            <a:off x="5196219" y="3897854"/>
+            <a:off x="5196219" y="3807828"/>
             <a:ext cx="2512041" cy="230772"/>
           </a:xfrm>
           <a:prstGeom prst="rect">
@@ -22578,7 +22686,7 @@
         </p:nvSpPr>
         <p:spPr>
           <a:xfrm>
-            <a:off x="1883091" y="3790530"/>
+            <a:off x="1883091" y="3722037"/>
             <a:ext cx="2355052" cy="468963"/>
           </a:xfrm>
           <a:custGeom>
@@ -22654,7 +22762,7 @@
                 </a:solidFill>
                 <a:latin typeface="Century Gothic" panose="020B0502020202020204" pitchFamily="34" charset="0"/>
               </a:rPr>
-              <a:t>Stock</a:t>
+              <a:t>Delivery</a:t>
             </a:r>
             <a:endParaRPr sz="2400" dirty="0">
               <a:solidFill>
@@ -22755,7 +22863,7 @@
                 </a:solidFill>
                 <a:latin typeface="Century Gothic" panose="020B0502020202020204" pitchFamily="34" charset="0"/>
               </a:rPr>
-              <a:t>Product</a:t>
+              <a:t>Product/Stock</a:t>
             </a:r>
             <a:endParaRPr sz="2400" dirty="0">
               <a:solidFill>
@@ -23300,14 +23408,173 @@
       </p:sp>
       <p:sp>
         <p:nvSpPr>
-          <p:cNvPr id="29" name="object 8"/>
+          <p:cNvPr id="33" name="object 42"/>
+          <p:cNvSpPr/>
+          <p:nvPr/>
+        </p:nvSpPr>
+        <p:spPr>
+          <a:xfrm>
+            <a:off x="4901121" y="5148612"/>
+            <a:ext cx="3028921" cy="519930"/>
+          </a:xfrm>
+          <a:custGeom>
+            <a:avLst/>
+            <a:gdLst/>
+            <a:ahLst/>
+            <a:cxnLst/>
+            <a:rect l="l" t="t" r="r" b="b"/>
+            <a:pathLst>
+              <a:path w="3295015" h="520064">
+                <a:moveTo>
+                  <a:pt x="0" y="129921"/>
+                </a:moveTo>
+                <a:lnTo>
+                  <a:pt x="3035046" y="129921"/>
+                </a:lnTo>
+                <a:lnTo>
+                  <a:pt x="3035046" y="0"/>
+                </a:lnTo>
+                <a:lnTo>
+                  <a:pt x="3294887" y="259842"/>
+                </a:lnTo>
+                <a:lnTo>
+                  <a:pt x="3035046" y="519684"/>
+                </a:lnTo>
+                <a:lnTo>
+                  <a:pt x="3035046" y="389763"/>
+                </a:lnTo>
+                <a:lnTo>
+                  <a:pt x="0" y="389763"/>
+                </a:lnTo>
+                <a:lnTo>
+                  <a:pt x="0" y="129921"/>
+                </a:lnTo>
+                <a:close/>
+              </a:path>
+            </a:pathLst>
+          </a:custGeom>
+          <a:ln w="12192">
+            <a:solidFill>
+              <a:srgbClr val="3A3A3A"/>
+            </a:solidFill>
+          </a:ln>
+        </p:spPr>
+        <p:txBody>
+          <a:bodyPr wrap="square" lIns="0" tIns="0" rIns="0" bIns="0" rtlCol="0"/>
+          <a:lstStyle/>
+          <a:p>
+            <a:endParaRPr sz="1799"/>
+          </a:p>
+        </p:txBody>
+      </p:sp>
+      <p:sp>
+        <p:nvSpPr>
+          <p:cNvPr id="35" name="object 41"/>
+          <p:cNvSpPr/>
+          <p:nvPr/>
+        </p:nvSpPr>
+        <p:spPr>
+          <a:xfrm>
+            <a:off x="4901306" y="5162082"/>
+            <a:ext cx="3028922" cy="519930"/>
+          </a:xfrm>
+          <a:custGeom>
+            <a:avLst/>
+            <a:gdLst/>
+            <a:ahLst/>
+            <a:cxnLst/>
+            <a:rect l="l" t="t" r="r" b="b"/>
+            <a:pathLst>
+              <a:path w="3295015" h="520064">
+                <a:moveTo>
+                  <a:pt x="3035046" y="0"/>
+                </a:moveTo>
+                <a:lnTo>
+                  <a:pt x="3035046" y="129921"/>
+                </a:lnTo>
+                <a:lnTo>
+                  <a:pt x="0" y="129921"/>
+                </a:lnTo>
+                <a:lnTo>
+                  <a:pt x="0" y="389763"/>
+                </a:lnTo>
+                <a:lnTo>
+                  <a:pt x="3035046" y="389763"/>
+                </a:lnTo>
+                <a:lnTo>
+                  <a:pt x="3035046" y="519684"/>
+                </a:lnTo>
+                <a:lnTo>
+                  <a:pt x="3294887" y="259842"/>
+                </a:lnTo>
+                <a:lnTo>
+                  <a:pt x="3035046" y="0"/>
+                </a:lnTo>
+                <a:close/>
+              </a:path>
+            </a:pathLst>
+          </a:custGeom>
+          <a:solidFill>
+            <a:srgbClr val="6C8B1A"/>
+          </a:solidFill>
+        </p:spPr>
+        <p:txBody>
+          <a:bodyPr wrap="square" lIns="0" tIns="0" rIns="0" bIns="0" rtlCol="0"/>
+          <a:lstStyle/>
+          <a:p>
+            <a:endParaRPr sz="1799"/>
+          </a:p>
+        </p:txBody>
+      </p:sp>
+      <p:sp>
+        <p:nvSpPr>
+          <p:cNvPr id="36" name="object 43"/>
           <p:cNvSpPr txBox="1"/>
           <p:nvPr/>
         </p:nvSpPr>
         <p:spPr>
           <a:xfrm>
-            <a:off x="8685212" y="3821668"/>
-            <a:ext cx="1855081" cy="369332"/>
+            <a:off x="5227102" y="5299261"/>
+            <a:ext cx="2512041" cy="230772"/>
+          </a:xfrm>
+          <a:prstGeom prst="rect">
+            <a:avLst/>
+          </a:prstGeom>
+        </p:spPr>
+        <p:txBody>
+          <a:bodyPr vert="horz" wrap="square" lIns="0" tIns="0" rIns="0" bIns="0" rtlCol="0">
+            <a:spAutoFit/>
+          </a:bodyPr>
+          <a:lstStyle/>
+          <a:p>
+            <a:pPr marL="12696" algn="ctr"/>
+            <a:r>
+              <a:rPr lang="en-US" sz="1500" b="1" spc="-10" dirty="0" smtClean="0">
+                <a:solidFill>
+                  <a:srgbClr val="FFFFFF"/>
+                </a:solidFill>
+                <a:latin typeface="Century Gothic"/>
+                <a:cs typeface="Century Gothic"/>
+              </a:rPr>
+              <a:t>In bound</a:t>
+            </a:r>
+            <a:endParaRPr sz="1500" dirty="0">
+              <a:latin typeface="Century Gothic"/>
+              <a:cs typeface="Century Gothic"/>
+            </a:endParaRPr>
+          </a:p>
+        </p:txBody>
+      </p:sp>
+      <p:sp>
+        <p:nvSpPr>
+          <p:cNvPr id="37" name="object 8"/>
+          <p:cNvSpPr txBox="1"/>
+          <p:nvPr/>
+        </p:nvSpPr>
+        <p:spPr>
+          <a:xfrm>
+            <a:off x="8918937" y="3669268"/>
+            <a:ext cx="1538023" cy="369332"/>
           </a:xfrm>
           <a:prstGeom prst="rect">
             <a:avLst/>
@@ -23338,168 +23605,9 @@
                 </a:solidFill>
                 <a:latin typeface="Century Gothic" panose="020B0502020202020204" pitchFamily="34" charset="0"/>
               </a:rPr>
-              <a:t>JE/GRN</a:t>
+              <a:t>GRN</a:t>
             </a:r>
             <a:endParaRPr sz="2399" dirty="0">
-              <a:latin typeface="Century Gothic"/>
-              <a:cs typeface="Century Gothic"/>
-            </a:endParaRPr>
-          </a:p>
-        </p:txBody>
-      </p:sp>
-      <p:sp>
-        <p:nvSpPr>
-          <p:cNvPr id="33" name="object 42"/>
-          <p:cNvSpPr/>
-          <p:nvPr/>
-        </p:nvSpPr>
-        <p:spPr>
-          <a:xfrm>
-            <a:off x="4901121" y="5148612"/>
-            <a:ext cx="3028921" cy="519930"/>
-          </a:xfrm>
-          <a:custGeom>
-            <a:avLst/>
-            <a:gdLst/>
-            <a:ahLst/>
-            <a:cxnLst/>
-            <a:rect l="l" t="t" r="r" b="b"/>
-            <a:pathLst>
-              <a:path w="3295015" h="520064">
-                <a:moveTo>
-                  <a:pt x="0" y="129921"/>
-                </a:moveTo>
-                <a:lnTo>
-                  <a:pt x="3035046" y="129921"/>
-                </a:lnTo>
-                <a:lnTo>
-                  <a:pt x="3035046" y="0"/>
-                </a:lnTo>
-                <a:lnTo>
-                  <a:pt x="3294887" y="259842"/>
-                </a:lnTo>
-                <a:lnTo>
-                  <a:pt x="3035046" y="519684"/>
-                </a:lnTo>
-                <a:lnTo>
-                  <a:pt x="3035046" y="389763"/>
-                </a:lnTo>
-                <a:lnTo>
-                  <a:pt x="0" y="389763"/>
-                </a:lnTo>
-                <a:lnTo>
-                  <a:pt x="0" y="129921"/>
-                </a:lnTo>
-                <a:close/>
-              </a:path>
-            </a:pathLst>
-          </a:custGeom>
-          <a:ln w="12192">
-            <a:solidFill>
-              <a:srgbClr val="3A3A3A"/>
-            </a:solidFill>
-          </a:ln>
-        </p:spPr>
-        <p:txBody>
-          <a:bodyPr wrap="square" lIns="0" tIns="0" rIns="0" bIns="0" rtlCol="0"/>
-          <a:lstStyle/>
-          <a:p>
-            <a:endParaRPr sz="1799"/>
-          </a:p>
-        </p:txBody>
-      </p:sp>
-      <p:sp>
-        <p:nvSpPr>
-          <p:cNvPr id="35" name="object 41"/>
-          <p:cNvSpPr/>
-          <p:nvPr/>
-        </p:nvSpPr>
-        <p:spPr>
-          <a:xfrm>
-            <a:off x="4901306" y="5162082"/>
-            <a:ext cx="3028922" cy="519930"/>
-          </a:xfrm>
-          <a:custGeom>
-            <a:avLst/>
-            <a:gdLst/>
-            <a:ahLst/>
-            <a:cxnLst/>
-            <a:rect l="l" t="t" r="r" b="b"/>
-            <a:pathLst>
-              <a:path w="3295015" h="520064">
-                <a:moveTo>
-                  <a:pt x="3035046" y="0"/>
-                </a:moveTo>
-                <a:lnTo>
-                  <a:pt x="3035046" y="129921"/>
-                </a:lnTo>
-                <a:lnTo>
-                  <a:pt x="0" y="129921"/>
-                </a:lnTo>
-                <a:lnTo>
-                  <a:pt x="0" y="389763"/>
-                </a:lnTo>
-                <a:lnTo>
-                  <a:pt x="3035046" y="389763"/>
-                </a:lnTo>
-                <a:lnTo>
-                  <a:pt x="3035046" y="519684"/>
-                </a:lnTo>
-                <a:lnTo>
-                  <a:pt x="3294887" y="259842"/>
-                </a:lnTo>
-                <a:lnTo>
-                  <a:pt x="3035046" y="0"/>
-                </a:lnTo>
-                <a:close/>
-              </a:path>
-            </a:pathLst>
-          </a:custGeom>
-          <a:solidFill>
-            <a:srgbClr val="6C8B1A"/>
-          </a:solidFill>
-        </p:spPr>
-        <p:txBody>
-          <a:bodyPr wrap="square" lIns="0" tIns="0" rIns="0" bIns="0" rtlCol="0"/>
-          <a:lstStyle/>
-          <a:p>
-            <a:endParaRPr sz="1799"/>
-          </a:p>
-        </p:txBody>
-      </p:sp>
-      <p:sp>
-        <p:nvSpPr>
-          <p:cNvPr id="36" name="object 43"/>
-          <p:cNvSpPr txBox="1"/>
-          <p:nvPr/>
-        </p:nvSpPr>
-        <p:spPr>
-          <a:xfrm>
-            <a:off x="5227102" y="5299261"/>
-            <a:ext cx="2512041" cy="230772"/>
-          </a:xfrm>
-          <a:prstGeom prst="rect">
-            <a:avLst/>
-          </a:prstGeom>
-        </p:spPr>
-        <p:txBody>
-          <a:bodyPr vert="horz" wrap="square" lIns="0" tIns="0" rIns="0" bIns="0" rtlCol="0">
-            <a:spAutoFit/>
-          </a:bodyPr>
-          <a:lstStyle/>
-          <a:p>
-            <a:pPr marL="12696" algn="ctr"/>
-            <a:r>
-              <a:rPr lang="en-US" sz="1500" b="1" spc="-10" dirty="0" smtClean="0">
-                <a:solidFill>
-                  <a:srgbClr val="FFFFFF"/>
-                </a:solidFill>
-                <a:latin typeface="Century Gothic"/>
-                <a:cs typeface="Century Gothic"/>
-              </a:rPr>
-              <a:t>In bound</a:t>
-            </a:r>
-            <a:endParaRPr sz="1500" dirty="0">
               <a:latin typeface="Century Gothic"/>
               <a:cs typeface="Century Gothic"/>
             </a:endParaRPr>

--- a/LSL/archive/AIM/LSL Docs/Lanka Sathosa - Oracle E Business Suit 12.2.7 Integrations to PBSA POS v1.3.pptx
+++ b/LSL/archive/AIM/LSL Docs/Lanka Sathosa - Oracle E Business Suit 12.2.7 Integrations to PBSA POS v1.3.pptx
@@ -235,7 +235,7 @@
             <a:fld id="{1E821AA6-70BE-4FDE-A8DC-DB381A688FD8}" type="datetimeFigureOut">
               <a:rPr lang="en-US"/>
               <a:pPr/>
-              <a:t>4/16/2019</a:t>
+              <a:t>5/3/2019</a:t>
             </a:fld>
             <a:endParaRPr dirty="0"/>
           </a:p>
@@ -1856,7 +1856,7 @@
             <a:fld id="{5B718EDA-03FA-48AB-920D-7933B9F49E21}" type="datetime1">
               <a:rPr lang="en-US" smtClean="0"/>
               <a:pPr/>
-              <a:t>4/16/2019</a:t>
+              <a:t>5/3/2019</a:t>
             </a:fld>
             <a:endParaRPr dirty="0"/>
           </a:p>
@@ -2492,7 +2492,7 @@
             <a:fld id="{BB9EC22A-55D2-4020-B7C5-EADD2A384059}" type="datetime1">
               <a:rPr lang="en-US" smtClean="0"/>
               <a:pPr/>
-              <a:t>4/16/2019</a:t>
+              <a:t>5/3/2019</a:t>
             </a:fld>
             <a:endParaRPr dirty="0"/>
           </a:p>
@@ -2877,7 +2877,7 @@
             <a:fld id="{A478242B-124C-463E-A0A4-FC9259A97C44}" type="datetime1">
               <a:rPr lang="en-US" smtClean="0"/>
               <a:pPr/>
-              <a:t>4/16/2019</a:t>
+              <a:t>5/3/2019</a:t>
             </a:fld>
             <a:endParaRPr dirty="0"/>
           </a:p>
@@ -3020,7 +3020,7 @@
             <a:fld id="{59CA900C-8353-43D6-B94D-598532F4915D}" type="datetime1">
               <a:rPr lang="en-US" smtClean="0"/>
               <a:pPr/>
-              <a:t>4/16/2019</a:t>
+              <a:t>5/3/2019</a:t>
             </a:fld>
             <a:endParaRPr lang="en-US" dirty="0"/>
           </a:p>
@@ -3363,7 +3363,7 @@
             <a:fld id="{4C7F30E4-792E-4FAB-A69A-AA0DDC9B505F}" type="datetime1">
               <a:rPr lang="en-US" smtClean="0"/>
               <a:pPr/>
-              <a:t>4/16/2019</a:t>
+              <a:t>5/3/2019</a:t>
             </a:fld>
             <a:endParaRPr dirty="0"/>
           </a:p>
@@ -3630,7 +3630,7 @@
             <a:fld id="{2E37C48D-E1E7-4537-9191-ADC6AC2F1815}" type="datetime1">
               <a:rPr lang="en-US" smtClean="0"/>
               <a:pPr/>
-              <a:t>4/16/2019</a:t>
+              <a:t>5/3/2019</a:t>
             </a:fld>
             <a:endParaRPr dirty="0"/>
           </a:p>
@@ -3985,7 +3985,7 @@
             <a:fld id="{91A79971-62D6-4992-97BF-5D246D3569EB}" type="datetime1">
               <a:rPr lang="en-US" smtClean="0"/>
               <a:pPr/>
-              <a:t>4/16/2019</a:t>
+              <a:t>5/3/2019</a:t>
             </a:fld>
             <a:endParaRPr dirty="0"/>
           </a:p>
@@ -4463,7 +4463,7 @@
             <a:fld id="{A2AFB543-FA83-460A-83FB-4118BFD0877B}" type="datetime1">
               <a:rPr lang="en-US" smtClean="0"/>
               <a:pPr/>
-              <a:t>4/16/2019</a:t>
+              <a:t>5/3/2019</a:t>
             </a:fld>
             <a:endParaRPr dirty="0"/>
           </a:p>
@@ -4757,7 +4757,7 @@
             <a:fld id="{B04E160C-F8F6-4C55-A458-43044F70E58C}" type="datetime1">
               <a:rPr lang="en-US" smtClean="0"/>
               <a:pPr/>
-              <a:t>4/16/2019</a:t>
+              <a:t>5/3/2019</a:t>
             </a:fld>
             <a:endParaRPr dirty="0"/>
           </a:p>
@@ -5617,7 +5617,7 @@
             <a:fld id="{76FE949D-BC59-45C7-997A-14E28EE435C6}" type="datetime1">
               <a:rPr lang="en-US" smtClean="0"/>
               <a:pPr/>
-              <a:t>4/16/2019</a:t>
+              <a:t>5/3/2019</a:t>
             </a:fld>
             <a:endParaRPr dirty="0"/>
           </a:p>
@@ -5876,7 +5876,7 @@
             <a:fld id="{AB7E71B6-75D8-4D35-9845-ED6EDFAB5B65}" type="datetime1">
               <a:rPr lang="en-US" smtClean="0"/>
               <a:pPr/>
-              <a:t>4/16/2019</a:t>
+              <a:t>5/3/2019</a:t>
             </a:fld>
             <a:endParaRPr dirty="0"/>
           </a:p>
@@ -6161,7 +6161,7 @@
             <a:fld id="{EC7B1103-610B-434D-B60D-A6000664E4C3}" type="datetime1">
               <a:rPr lang="en-US" smtClean="0"/>
               <a:pPr/>
-              <a:t>4/16/2019</a:t>
+              <a:t>5/3/2019</a:t>
             </a:fld>
             <a:endParaRPr dirty="0"/>
           </a:p>
@@ -6729,7 +6729,7 @@
             <a:fld id="{7FCCB0DF-E397-45DA-B3CD-4E39C3ABEEDE}" type="datetime1">
               <a:rPr lang="en-US" smtClean="0"/>
               <a:pPr/>
-              <a:t>4/16/2019</a:t>
+              <a:t>5/3/2019</a:t>
             </a:fld>
             <a:endParaRPr dirty="0"/>
           </a:p>
@@ -6876,7 +6876,7 @@
             <a:fld id="{F6C2332A-6035-4535-BAC4-FD72BBD35BD5}" type="datetime1">
               <a:rPr lang="en-US" smtClean="0"/>
               <a:pPr/>
-              <a:t>4/16/2019</a:t>
+              <a:t>5/3/2019</a:t>
             </a:fld>
             <a:endParaRPr dirty="0"/>
           </a:p>
@@ -7098,7 +7098,7 @@
             <a:fld id="{F0C5D9DE-6A12-48B4-8157-AA087FBA8015}" type="datetime1">
               <a:rPr lang="en-US" smtClean="0"/>
               <a:pPr/>
-              <a:t>4/16/2019</a:t>
+              <a:t>5/3/2019</a:t>
             </a:fld>
             <a:endParaRPr dirty="0"/>
           </a:p>
@@ -7218,7 +7218,7 @@
             <a:fld id="{451A3DE7-7836-4A48-A04A-66B40194FF41}" type="datetime1">
               <a:rPr lang="en-US" smtClean="0"/>
               <a:pPr/>
-              <a:t>4/16/2019</a:t>
+              <a:t>5/3/2019</a:t>
             </a:fld>
             <a:endParaRPr dirty="0"/>
           </a:p>
@@ -7517,7 +7517,7 @@
             <a:fld id="{3739EF9E-A7C6-4808-8AFB-AC6B52F83A3B}" type="datetime1">
               <a:rPr lang="en-US" smtClean="0"/>
               <a:pPr/>
-              <a:t>4/16/2019</a:t>
+              <a:t>5/3/2019</a:t>
             </a:fld>
             <a:endParaRPr dirty="0"/>
           </a:p>
@@ -7799,7 +7799,7 @@
             <a:fld id="{217F0131-B903-456D-8D69-D853BB286F3F}" type="datetime1">
               <a:rPr lang="en-US" smtClean="0"/>
               <a:pPr/>
-              <a:t>4/16/2019</a:t>
+              <a:t>5/3/2019</a:t>
             </a:fld>
             <a:endParaRPr dirty="0"/>
           </a:p>
@@ -8254,7 +8254,7 @@
             <a:fld id="{20375F48-3897-4458-A949-18AAEA8A929B}" type="datetime1">
               <a:rPr lang="en-US" smtClean="0"/>
               <a:pPr/>
-              <a:t>4/16/2019</a:t>
+              <a:t>5/3/2019</a:t>
             </a:fld>
             <a:endParaRPr dirty="0"/>
           </a:p>
@@ -8882,7 +8882,7 @@
             <a:fld id="{4D60BBB1-229F-44BC-9C8A-436B703181DD}" type="datetime1">
               <a:rPr lang="en-US" smtClean="0"/>
               <a:pPr/>
-              <a:t>4/16/2019</a:t>
+              <a:t>5/3/2019</a:t>
             </a:fld>
             <a:endParaRPr dirty="0"/>
           </a:p>
@@ -9130,7 +9130,7 @@
             <a:fld id="{7E2A05B1-59AC-45DE-AC8F-3468E7D0EDC5}" type="datetime1">
               <a:rPr lang="en-US" smtClean="0"/>
               <a:pPr/>
-              <a:t>4/16/2019</a:t>
+              <a:t>5/3/2019</a:t>
             </a:fld>
             <a:endParaRPr dirty="0"/>
           </a:p>
@@ -9596,7 +9596,7 @@
             <a:fld id="{FD3BE420-3884-4C99-8592-9DC1A7A21589}" type="datetime1">
               <a:rPr lang="en-US" smtClean="0"/>
               <a:pPr/>
-              <a:t>4/16/2019</a:t>
+              <a:t>5/3/2019</a:t>
             </a:fld>
             <a:endParaRPr dirty="0"/>
           </a:p>
@@ -10035,7 +10035,7 @@
             <a:fld id="{EB57CADF-F4C7-45EC-8675-1B1240AACE67}" type="datetime1">
               <a:rPr lang="en-US" smtClean="0"/>
               <a:pPr/>
-              <a:t>4/16/2019</a:t>
+              <a:t>5/3/2019</a:t>
             </a:fld>
             <a:endParaRPr dirty="0"/>
           </a:p>
@@ -10257,7 +10257,7 @@
             <a:fld id="{48F663F1-F097-4709-A50E-5EC80F99F9C1}" type="datetime1">
               <a:rPr lang="en-US" smtClean="0"/>
               <a:pPr/>
-              <a:t>4/16/2019</a:t>
+              <a:t>5/3/2019</a:t>
             </a:fld>
             <a:endParaRPr dirty="0"/>
           </a:p>
@@ -10621,7 +10621,7 @@
             <a:fld id="{2EB3EB7A-2423-492A-A0B8-6890746ED067}" type="datetime1">
               <a:rPr lang="en-US" smtClean="0"/>
               <a:pPr/>
-              <a:t>4/16/2019</a:t>
+              <a:t>5/3/2019</a:t>
             </a:fld>
             <a:endParaRPr dirty="0"/>
           </a:p>
@@ -11350,7 +11350,7 @@
             <a:fld id="{A28CC2B3-15E3-410C-BB77-725CEC6A5D75}" type="datetime1">
               <a:rPr lang="en-US" smtClean="0"/>
               <a:pPr/>
-              <a:t>4/16/2019</a:t>
+              <a:t>5/3/2019</a:t>
             </a:fld>
             <a:endParaRPr dirty="0"/>
           </a:p>
@@ -11657,7 +11657,7 @@
             <a:fld id="{3336C99F-F8B6-42FB-858B-E7EDEE8AB826}" type="datetime1">
               <a:rPr lang="en-US" smtClean="0"/>
               <a:pPr/>
-              <a:t>4/16/2019</a:t>
+              <a:t>5/3/2019</a:t>
             </a:fld>
             <a:endParaRPr dirty="0"/>
           </a:p>
@@ -11864,7 +11864,7 @@
             <a:fld id="{466AED94-84AC-401A-B6E9-114160A7903A}" type="datetime1">
               <a:rPr lang="en-US" smtClean="0"/>
               <a:pPr/>
-              <a:t>4/16/2019</a:t>
+              <a:t>5/3/2019</a:t>
             </a:fld>
             <a:endParaRPr dirty="0"/>
           </a:p>
@@ -11988,7 +11988,7 @@
             <a:fld id="{74126811-2134-4838-96E1-190C5CCB35F0}" type="datetime1">
               <a:rPr lang="en-US" smtClean="0"/>
               <a:pPr/>
-              <a:t>4/16/2019</a:t>
+              <a:t>5/3/2019</a:t>
             </a:fld>
             <a:endParaRPr dirty="0"/>
           </a:p>
@@ -12537,7 +12537,7 @@
             <a:fld id="{15EFF38B-8A2B-4EA0-A1FD-820A0B9A9A5E}" type="datetime1">
               <a:rPr lang="en-US" smtClean="0"/>
               <a:pPr/>
-              <a:t>4/16/2019</a:t>
+              <a:t>5/3/2019</a:t>
             </a:fld>
             <a:endParaRPr lang="en-US" dirty="0"/>
           </a:p>
@@ -12750,7 +12750,7 @@
             <a:fld id="{2F659D8A-3C0B-4AD2-A865-94E1683E2A51}" type="datetime1">
               <a:rPr lang="en-US" smtClean="0"/>
               <a:pPr/>
-              <a:t>4/16/2019</a:t>
+              <a:t>5/3/2019</a:t>
             </a:fld>
             <a:endParaRPr dirty="0"/>
           </a:p>
@@ -13173,7 +13173,7 @@
             <a:fld id="{AFE3C2E1-55D1-4925-B170-F45F4D1313F2}" type="datetime1">
               <a:rPr lang="en-US" smtClean="0"/>
               <a:pPr/>
-              <a:t>4/16/2019</a:t>
+              <a:t>5/3/2019</a:t>
             </a:fld>
             <a:endParaRPr dirty="0"/>
           </a:p>
@@ -13804,7 +13804,7 @@
             <a:fld id="{9C5D32D0-D208-4DC6-B7EA-FBFBAE2CFADD}" type="datetime1">
               <a:rPr lang="en-US" smtClean="0"/>
               <a:pPr/>
-              <a:t>4/16/2019</a:t>
+              <a:t>5/3/2019</a:t>
             </a:fld>
             <a:endParaRPr dirty="0"/>
           </a:p>
@@ -14268,7 +14268,7 @@
             <a:fld id="{D6BF2800-930D-4F78-8132-87DC967E0A01}" type="datetime1">
               <a:rPr lang="en-US" smtClean="0"/>
               <a:pPr/>
-              <a:t>4/16/2019</a:t>
+              <a:t>5/3/2019</a:t>
             </a:fld>
             <a:endParaRPr dirty="0"/>
           </a:p>
@@ -14547,7 +14547,7 @@
             <a:fld id="{F0811F5D-163C-429D-9AB1-46A6E97896BF}" type="datetime1">
               <a:rPr lang="en-US" smtClean="0"/>
               <a:pPr/>
-              <a:t>4/16/2019</a:t>
+              <a:t>5/3/2019</a:t>
             </a:fld>
             <a:endParaRPr dirty="0"/>
           </a:p>
@@ -14817,7 +14817,7 @@
             <a:fld id="{A579B943-AFA1-40BD-AC9F-6D2BBCFED74C}" type="datetime1">
               <a:rPr lang="en-US" smtClean="0"/>
               <a:pPr/>
-              <a:t>4/16/2019</a:t>
+              <a:t>5/3/2019</a:t>
             </a:fld>
             <a:endParaRPr dirty="0"/>
           </a:p>
@@ -15098,7 +15098,7 @@
             <a:fld id="{D6AE09CC-35FF-4FAE-84BA-51028FA8C71A}" type="datetime1">
               <a:rPr lang="en-US" smtClean="0"/>
               <a:pPr/>
-              <a:t>4/16/2019</a:t>
+              <a:t>5/3/2019</a:t>
             </a:fld>
             <a:endParaRPr dirty="0"/>
           </a:p>
@@ -15562,7 +15562,7 @@
             <a:fld id="{FCC121D4-B3C9-471B-8703-25FD84D839ED}" type="datetime1">
               <a:rPr lang="en-US" smtClean="0"/>
               <a:pPr/>
-              <a:t>4/16/2019</a:t>
+              <a:t>5/3/2019</a:t>
             </a:fld>
             <a:endParaRPr dirty="0"/>
           </a:p>
@@ -18314,7 +18314,7 @@
         </p:nvSpPr>
         <p:spPr>
           <a:xfrm>
-            <a:off x="4513290" y="3255232"/>
+            <a:off x="4513290" y="3124200"/>
             <a:ext cx="3028922" cy="519930"/>
           </a:xfrm>
           <a:custGeom>
@@ -18373,7 +18373,7 @@
         </p:nvSpPr>
         <p:spPr>
           <a:xfrm>
-            <a:off x="4513291" y="3255232"/>
+            <a:off x="4513291" y="3124200"/>
             <a:ext cx="3028921" cy="519930"/>
           </a:xfrm>
           <a:custGeom>
@@ -18434,7 +18434,7 @@
         </p:nvSpPr>
         <p:spPr>
           <a:xfrm>
-            <a:off x="4810058" y="3390679"/>
+            <a:off x="4810058" y="3272275"/>
             <a:ext cx="2512041" cy="230772"/>
           </a:xfrm>
           <a:prstGeom prst="rect">
@@ -18502,8 +18502,8 @@
         </p:nvSpPr>
         <p:spPr>
           <a:xfrm>
-            <a:off x="1508201" y="3330531"/>
-            <a:ext cx="2362200" cy="762000"/>
+            <a:off x="1163827" y="3330531"/>
+            <a:ext cx="3050948" cy="762000"/>
           </a:xfrm>
           <a:custGeom>
             <a:avLst/>
@@ -19995,7 +19995,7 @@
         </p:nvSpPr>
         <p:spPr>
           <a:xfrm>
-            <a:off x="8008363" y="3429000"/>
+            <a:off x="8013024" y="3613220"/>
             <a:ext cx="2185101" cy="369108"/>
           </a:xfrm>
           <a:prstGeom prst="rect">
@@ -20521,7 +20521,7 @@
         </p:nvSpPr>
         <p:spPr>
           <a:xfrm>
-            <a:off x="7733226" y="2971800"/>
+            <a:off x="7733226" y="3206208"/>
             <a:ext cx="2736646" cy="369332"/>
           </a:xfrm>
           <a:prstGeom prst="rect">
@@ -20739,17 +20739,7 @@
                 <a:latin typeface="Century Gothic"/>
                 <a:cs typeface="Century Gothic"/>
               </a:rPr>
-              <a:t>In </a:t>
-            </a:r>
-            <a:r>
-              <a:rPr lang="en-US" sz="1500" b="1" dirty="0" smtClean="0">
-                <a:solidFill>
-                  <a:srgbClr val="FFFFFF"/>
-                </a:solidFill>
-                <a:latin typeface="Century Gothic"/>
-                <a:cs typeface="Century Gothic"/>
-              </a:rPr>
-              <a:t>bound</a:t>
+              <a:t>In bound</a:t>
             </a:r>
             <a:endParaRPr sz="1500" dirty="0">
               <a:latin typeface="Century Gothic"/>
@@ -22119,7 +22109,7 @@
         </p:nvSpPr>
         <p:spPr>
           <a:xfrm>
-            <a:off x="8510973" y="5550932"/>
+            <a:off x="8510973" y="5522796"/>
             <a:ext cx="2183831" cy="369332"/>
           </a:xfrm>
           <a:prstGeom prst="rect">
